--- a/4 - T-SQL com Microsoft SQL Server 2017/Linkedin.pptx
+++ b/4 - T-SQL com Microsoft SQL Server 2017/Linkedin.pptx
@@ -8,6 +8,28 @@
     <p:sldId id="256" r:id="rId2"/>
     <p:sldId id="328" r:id="rId3"/>
     <p:sldId id="326" r:id="rId4"/>
+    <p:sldId id="329" r:id="rId5"/>
+    <p:sldId id="339" r:id="rId6"/>
+    <p:sldId id="330" r:id="rId7"/>
+    <p:sldId id="337" r:id="rId8"/>
+    <p:sldId id="338" r:id="rId9"/>
+    <p:sldId id="331" r:id="rId10"/>
+    <p:sldId id="332" r:id="rId11"/>
+    <p:sldId id="333" r:id="rId12"/>
+    <p:sldId id="334" r:id="rId13"/>
+    <p:sldId id="335" r:id="rId14"/>
+    <p:sldId id="336" r:id="rId15"/>
+    <p:sldId id="340" r:id="rId16"/>
+    <p:sldId id="341" r:id="rId17"/>
+    <p:sldId id="342" r:id="rId18"/>
+    <p:sldId id="343" r:id="rId19"/>
+    <p:sldId id="344" r:id="rId20"/>
+    <p:sldId id="345" r:id="rId21"/>
+    <p:sldId id="346" r:id="rId22"/>
+    <p:sldId id="347" r:id="rId23"/>
+    <p:sldId id="348" r:id="rId24"/>
+    <p:sldId id="349" r:id="rId25"/>
+    <p:sldId id="350" r:id="rId26"/>
   </p:sldIdLst>
   <p:sldSz cx="9144000" cy="6858000" type="screen4x3"/>
   <p:notesSz cx="6858000" cy="9144000"/>
@@ -283,7 +305,7 @@
             <a:fld id="{41371B2D-5B36-42E3-97A0-9B2A345893FE}" type="datetimeFigureOut">
               <a:rPr lang="pt-BR" smtClean="0"/>
               <a:pPr/>
-              <a:t>18/07/2021</a:t>
+              <a:t>23/07/2021</a:t>
             </a:fld>
             <a:endParaRPr lang="pt-BR"/>
           </a:p>
@@ -450,7 +472,7 @@
             <a:fld id="{41371B2D-5B36-42E3-97A0-9B2A345893FE}" type="datetimeFigureOut">
               <a:rPr lang="pt-BR" smtClean="0"/>
               <a:pPr/>
-              <a:t>18/07/2021</a:t>
+              <a:t>23/07/2021</a:t>
             </a:fld>
             <a:endParaRPr lang="pt-BR"/>
           </a:p>
@@ -627,7 +649,7 @@
             <a:fld id="{41371B2D-5B36-42E3-97A0-9B2A345893FE}" type="datetimeFigureOut">
               <a:rPr lang="pt-BR" smtClean="0"/>
               <a:pPr/>
-              <a:t>18/07/2021</a:t>
+              <a:t>23/07/2021</a:t>
             </a:fld>
             <a:endParaRPr lang="pt-BR"/>
           </a:p>
@@ -794,7 +816,7 @@
             <a:fld id="{41371B2D-5B36-42E3-97A0-9B2A345893FE}" type="datetimeFigureOut">
               <a:rPr lang="pt-BR" smtClean="0"/>
               <a:pPr/>
-              <a:t>18/07/2021</a:t>
+              <a:t>23/07/2021</a:t>
             </a:fld>
             <a:endParaRPr lang="pt-BR"/>
           </a:p>
@@ -1038,7 +1060,7 @@
             <a:fld id="{41371B2D-5B36-42E3-97A0-9B2A345893FE}" type="datetimeFigureOut">
               <a:rPr lang="pt-BR" smtClean="0"/>
               <a:pPr/>
-              <a:t>18/07/2021</a:t>
+              <a:t>23/07/2021</a:t>
             </a:fld>
             <a:endParaRPr lang="pt-BR"/>
           </a:p>
@@ -1304,7 +1326,7 @@
             <a:fld id="{41371B2D-5B36-42E3-97A0-9B2A345893FE}" type="datetimeFigureOut">
               <a:rPr lang="pt-BR" smtClean="0"/>
               <a:pPr/>
-              <a:t>18/07/2021</a:t>
+              <a:t>23/07/2021</a:t>
             </a:fld>
             <a:endParaRPr lang="pt-BR"/>
           </a:p>
@@ -1684,7 +1706,7 @@
             <a:fld id="{41371B2D-5B36-42E3-97A0-9B2A345893FE}" type="datetimeFigureOut">
               <a:rPr lang="pt-BR" smtClean="0"/>
               <a:pPr/>
-              <a:t>18/07/2021</a:t>
+              <a:t>23/07/2021</a:t>
             </a:fld>
             <a:endParaRPr lang="pt-BR"/>
           </a:p>
@@ -1836,7 +1858,7 @@
             <a:fld id="{41371B2D-5B36-42E3-97A0-9B2A345893FE}" type="datetimeFigureOut">
               <a:rPr lang="pt-BR" smtClean="0"/>
               <a:pPr/>
-              <a:t>18/07/2021</a:t>
+              <a:t>23/07/2021</a:t>
             </a:fld>
             <a:endParaRPr lang="pt-BR"/>
           </a:p>
@@ -1928,7 +1950,7 @@
             <a:fld id="{41371B2D-5B36-42E3-97A0-9B2A345893FE}" type="datetimeFigureOut">
               <a:rPr lang="pt-BR" smtClean="0"/>
               <a:pPr/>
-              <a:t>18/07/2021</a:t>
+              <a:t>23/07/2021</a:t>
             </a:fld>
             <a:endParaRPr lang="pt-BR"/>
           </a:p>
@@ -2191,7 +2213,7 @@
             <a:fld id="{41371B2D-5B36-42E3-97A0-9B2A345893FE}" type="datetimeFigureOut">
               <a:rPr lang="pt-BR" smtClean="0"/>
               <a:pPr/>
-              <a:t>18/07/2021</a:t>
+              <a:t>23/07/2021</a:t>
             </a:fld>
             <a:endParaRPr lang="pt-BR"/>
           </a:p>
@@ -2481,7 +2503,7 @@
             <a:fld id="{41371B2D-5B36-42E3-97A0-9B2A345893FE}" type="datetimeFigureOut">
               <a:rPr lang="pt-BR" smtClean="0"/>
               <a:pPr/>
-              <a:t>18/07/2021</a:t>
+              <a:t>23/07/2021</a:t>
             </a:fld>
             <a:endParaRPr lang="pt-BR"/>
           </a:p>
@@ -3254,7 +3276,7 @@
             <a:fld id="{41371B2D-5B36-42E3-97A0-9B2A345893FE}" type="datetimeFigureOut">
               <a:rPr lang="pt-BR" smtClean="0"/>
               <a:pPr/>
-              <a:t>18/07/2021</a:t>
+              <a:t>23/07/2021</a:t>
             </a:fld>
             <a:endParaRPr lang="pt-BR"/>
           </a:p>
@@ -3875,7 +3897,7 @@
       </p:grpSpPr>
       <p:pic>
         <p:nvPicPr>
-          <p:cNvPr id="4" name="Imagem 3" descr="Dashboard com Pentaho - Visualize e analise os dados.PNG"/>
+          <p:cNvPr id="3" name="Imagem 2" descr="4 - T-SQL com Microsoft SQL Server 2017.PNG"/>
           <p:cNvPicPr>
             <a:picLocks noChangeAspect="1"/>
           </p:cNvPicPr>
@@ -3889,8 +3911,8 @@
         </p:blipFill>
         <p:spPr>
           <a:xfrm>
-            <a:off x="142844" y="1000108"/>
-            <a:ext cx="8840434" cy="5611008"/>
+            <a:off x="0" y="1218413"/>
+            <a:ext cx="9144000" cy="5639587"/>
           </a:xfrm>
           <a:prstGeom prst="rect">
             <a:avLst/>
@@ -3905,7 +3927,105 @@
 </p:sld>
 </file>
 
-<file path=ppt/slides/slide2.xml><?xml version="1.0" encoding="utf-8"?>
+<file path=ppt/slides/slide10.xml><?xml version="1.0" encoding="utf-8"?>
+<p:sld xmlns:a="http://schemas.openxmlformats.org/drawingml/2006/main" xmlns:r="http://schemas.openxmlformats.org/officeDocument/2006/relationships" xmlns:p="http://schemas.openxmlformats.org/presentationml/2006/main">
+  <p:cSld>
+    <p:spTree>
+      <p:nvGrpSpPr>
+        <p:cNvPr id="1" name=""/>
+        <p:cNvGrpSpPr/>
+        <p:nvPr/>
+      </p:nvGrpSpPr>
+      <p:grpSpPr>
+        <a:xfrm>
+          <a:off x="0" y="0"/>
+          <a:ext cx="0" cy="0"/>
+          <a:chOff x="0" y="0"/>
+          <a:chExt cx="0" cy="0"/>
+        </a:xfrm>
+      </p:grpSpPr>
+      <p:pic>
+        <p:nvPicPr>
+          <p:cNvPr id="2" name="Imagem 1" descr="8.jpg"/>
+          <p:cNvPicPr>
+            <a:picLocks noChangeAspect="1"/>
+          </p:cNvPicPr>
+          <p:nvPr/>
+        </p:nvPicPr>
+        <p:blipFill>
+          <a:blip r:embed="rId2"/>
+          <a:stretch>
+            <a:fillRect/>
+          </a:stretch>
+        </p:blipFill>
+        <p:spPr>
+          <a:xfrm>
+            <a:off x="246114" y="1590674"/>
+            <a:ext cx="8754081" cy="4481532"/>
+          </a:xfrm>
+          <a:prstGeom prst="rect">
+            <a:avLst/>
+          </a:prstGeom>
+        </p:spPr>
+      </p:pic>
+    </p:spTree>
+  </p:cSld>
+  <p:clrMapOvr>
+    <a:masterClrMapping/>
+  </p:clrMapOvr>
+</p:sld>
+</file>
+
+<file path=ppt/slides/slide11.xml><?xml version="1.0" encoding="utf-8"?>
+<p:sld xmlns:a="http://schemas.openxmlformats.org/drawingml/2006/main" xmlns:r="http://schemas.openxmlformats.org/officeDocument/2006/relationships" xmlns:p="http://schemas.openxmlformats.org/presentationml/2006/main">
+  <p:cSld>
+    <p:spTree>
+      <p:nvGrpSpPr>
+        <p:cNvPr id="1" name=""/>
+        <p:cNvGrpSpPr/>
+        <p:nvPr/>
+      </p:nvGrpSpPr>
+      <p:grpSpPr>
+        <a:xfrm>
+          <a:off x="0" y="0"/>
+          <a:ext cx="0" cy="0"/>
+          <a:chOff x="0" y="0"/>
+          <a:chExt cx="0" cy="0"/>
+        </a:xfrm>
+      </p:grpSpPr>
+      <p:pic>
+        <p:nvPicPr>
+          <p:cNvPr id="2" name="Imagem 1" descr="9.JPG"/>
+          <p:cNvPicPr>
+            <a:picLocks noChangeAspect="1"/>
+          </p:cNvPicPr>
+          <p:nvPr/>
+        </p:nvPicPr>
+        <p:blipFill>
+          <a:blip r:embed="rId2"/>
+          <a:stretch>
+            <a:fillRect/>
+          </a:stretch>
+        </p:blipFill>
+        <p:spPr>
+          <a:xfrm>
+            <a:off x="54118" y="1795462"/>
+            <a:ext cx="9089882" cy="4886880"/>
+          </a:xfrm>
+          <a:prstGeom prst="rect">
+            <a:avLst/>
+          </a:prstGeom>
+        </p:spPr>
+      </p:pic>
+    </p:spTree>
+  </p:cSld>
+  <p:clrMapOvr>
+    <a:masterClrMapping/>
+  </p:clrMapOvr>
+</p:sld>
+</file>
+
+<file path=ppt/slides/slide12.xml><?xml version="1.0" encoding="utf-8"?>
 <p:sld xmlns:a="http://schemas.openxmlformats.org/drawingml/2006/main" xmlns:r="http://schemas.openxmlformats.org/officeDocument/2006/relationships" xmlns:p="http://schemas.openxmlformats.org/presentationml/2006/main">
   <p:cSld>
     <p:spTree>
@@ -3939,8 +4059,8 @@
         </p:blipFill>
         <p:spPr bwMode="auto">
           <a:xfrm>
-            <a:off x="0" y="1400156"/>
-            <a:ext cx="9096407" cy="5457844"/>
+            <a:off x="0" y="1142984"/>
+            <a:ext cx="9144000" cy="5429288"/>
           </a:xfrm>
           <a:prstGeom prst="rect">
             <a:avLst/>
@@ -3970,7 +4090,7 @@
 </p:sld>
 </file>
 
-<file path=ppt/slides/slide3.xml><?xml version="1.0" encoding="utf-8"?>
+<file path=ppt/slides/slide13.xml><?xml version="1.0" encoding="utf-8"?>
 <p:sld xmlns:a="http://schemas.openxmlformats.org/drawingml/2006/main" xmlns:r="http://schemas.openxmlformats.org/officeDocument/2006/relationships" xmlns:p="http://schemas.openxmlformats.org/presentationml/2006/main">
   <p:cSld>
     <p:spTree>
@@ -4004,8 +4124,8 @@
         </p:blipFill>
         <p:spPr bwMode="auto">
           <a:xfrm>
-            <a:off x="357158" y="938534"/>
-            <a:ext cx="8402244" cy="5919466"/>
+            <a:off x="0" y="1142985"/>
+            <a:ext cx="9144000" cy="5715016"/>
           </a:xfrm>
           <a:prstGeom prst="rect">
             <a:avLst/>
@@ -4032,6 +4152,865 @@
       </p:par>
     </p:tnLst>
   </p:timing>
+</p:sld>
+</file>
+
+<file path=ppt/slides/slide14.xml><?xml version="1.0" encoding="utf-8"?>
+<p:sld xmlns:a="http://schemas.openxmlformats.org/drawingml/2006/main" xmlns:r="http://schemas.openxmlformats.org/officeDocument/2006/relationships" xmlns:p="http://schemas.openxmlformats.org/presentationml/2006/main">
+  <p:cSld>
+    <p:spTree>
+      <p:nvGrpSpPr>
+        <p:cNvPr id="1" name=""/>
+        <p:cNvGrpSpPr/>
+        <p:nvPr/>
+      </p:nvGrpSpPr>
+      <p:grpSpPr>
+        <a:xfrm>
+          <a:off x="0" y="0"/>
+          <a:ext cx="0" cy="0"/>
+          <a:chOff x="0" y="0"/>
+          <a:chExt cx="0" cy="0"/>
+        </a:xfrm>
+      </p:grpSpPr>
+      <p:pic>
+        <p:nvPicPr>
+          <p:cNvPr id="3074" name="Picture 2"/>
+          <p:cNvPicPr>
+            <a:picLocks noChangeAspect="1" noChangeArrowheads="1"/>
+          </p:cNvPicPr>
+          <p:nvPr/>
+        </p:nvPicPr>
+        <p:blipFill>
+          <a:blip r:embed="rId2"/>
+          <a:srcRect/>
+          <a:stretch>
+            <a:fillRect/>
+          </a:stretch>
+        </p:blipFill>
+        <p:spPr bwMode="auto">
+          <a:xfrm>
+            <a:off x="0" y="1000108"/>
+            <a:ext cx="9157059" cy="5548312"/>
+          </a:xfrm>
+          <a:prstGeom prst="rect">
+            <a:avLst/>
+          </a:prstGeom>
+          <a:noFill/>
+          <a:ln w="9525">
+            <a:noFill/>
+            <a:miter lim="800000"/>
+            <a:headEnd/>
+            <a:tailEnd/>
+          </a:ln>
+          <a:effectLst/>
+        </p:spPr>
+      </p:pic>
+    </p:spTree>
+  </p:cSld>
+  <p:clrMapOvr>
+    <a:masterClrMapping/>
+  </p:clrMapOvr>
+  <p:timing>
+    <p:tnLst>
+      <p:par>
+        <p:cTn id="1" dur="indefinite" restart="never" nodeType="tmRoot"/>
+      </p:par>
+    </p:tnLst>
+  </p:timing>
+</p:sld>
+</file>
+
+<file path=ppt/slides/slide15.xml><?xml version="1.0" encoding="utf-8"?>
+<p:sld xmlns:a="http://schemas.openxmlformats.org/drawingml/2006/main" xmlns:r="http://schemas.openxmlformats.org/officeDocument/2006/relationships" xmlns:p="http://schemas.openxmlformats.org/presentationml/2006/main">
+  <p:cSld>
+    <p:spTree>
+      <p:nvGrpSpPr>
+        <p:cNvPr id="1" name=""/>
+        <p:cNvGrpSpPr/>
+        <p:nvPr/>
+      </p:nvGrpSpPr>
+      <p:grpSpPr>
+        <a:xfrm>
+          <a:off x="0" y="0"/>
+          <a:ext cx="0" cy="0"/>
+          <a:chOff x="0" y="0"/>
+          <a:chExt cx="0" cy="0"/>
+        </a:xfrm>
+      </p:grpSpPr>
+      <p:pic>
+        <p:nvPicPr>
+          <p:cNvPr id="4098" name="Picture 2"/>
+          <p:cNvPicPr>
+            <a:picLocks noChangeAspect="1" noChangeArrowheads="1"/>
+          </p:cNvPicPr>
+          <p:nvPr/>
+        </p:nvPicPr>
+        <p:blipFill>
+          <a:blip r:embed="rId2"/>
+          <a:srcRect/>
+          <a:stretch>
+            <a:fillRect/>
+          </a:stretch>
+        </p:blipFill>
+        <p:spPr bwMode="auto">
+          <a:xfrm>
+            <a:off x="0" y="1214422"/>
+            <a:ext cx="9144000" cy="5357850"/>
+          </a:xfrm>
+          <a:prstGeom prst="rect">
+            <a:avLst/>
+          </a:prstGeom>
+          <a:noFill/>
+          <a:ln w="9525">
+            <a:noFill/>
+            <a:miter lim="800000"/>
+            <a:headEnd/>
+            <a:tailEnd/>
+          </a:ln>
+          <a:effectLst/>
+        </p:spPr>
+      </p:pic>
+    </p:spTree>
+  </p:cSld>
+  <p:clrMapOvr>
+    <a:masterClrMapping/>
+  </p:clrMapOvr>
+</p:sld>
+</file>
+
+<file path=ppt/slides/slide16.xml><?xml version="1.0" encoding="utf-8"?>
+<p:sld xmlns:a="http://schemas.openxmlformats.org/drawingml/2006/main" xmlns:r="http://schemas.openxmlformats.org/officeDocument/2006/relationships" xmlns:p="http://schemas.openxmlformats.org/presentationml/2006/main">
+  <p:cSld>
+    <p:spTree>
+      <p:nvGrpSpPr>
+        <p:cNvPr id="1" name=""/>
+        <p:cNvGrpSpPr/>
+        <p:nvPr/>
+      </p:nvGrpSpPr>
+      <p:grpSpPr>
+        <a:xfrm>
+          <a:off x="0" y="0"/>
+          <a:ext cx="0" cy="0"/>
+          <a:chOff x="0" y="0"/>
+          <a:chExt cx="0" cy="0"/>
+        </a:xfrm>
+      </p:grpSpPr>
+    </p:spTree>
+  </p:cSld>
+  <p:clrMapOvr>
+    <a:masterClrMapping/>
+  </p:clrMapOvr>
+</p:sld>
+</file>
+
+<file path=ppt/slides/slide17.xml><?xml version="1.0" encoding="utf-8"?>
+<p:sld xmlns:a="http://schemas.openxmlformats.org/drawingml/2006/main" xmlns:r="http://schemas.openxmlformats.org/officeDocument/2006/relationships" xmlns:p="http://schemas.openxmlformats.org/presentationml/2006/main">
+  <p:cSld>
+    <p:spTree>
+      <p:nvGrpSpPr>
+        <p:cNvPr id="1" name=""/>
+        <p:cNvGrpSpPr/>
+        <p:nvPr/>
+      </p:nvGrpSpPr>
+      <p:grpSpPr>
+        <a:xfrm>
+          <a:off x="0" y="0"/>
+          <a:ext cx="0" cy="0"/>
+          <a:chOff x="0" y="0"/>
+          <a:chExt cx="0" cy="0"/>
+        </a:xfrm>
+      </p:grpSpPr>
+    </p:spTree>
+  </p:cSld>
+  <p:clrMapOvr>
+    <a:masterClrMapping/>
+  </p:clrMapOvr>
+</p:sld>
+</file>
+
+<file path=ppt/slides/slide18.xml><?xml version="1.0" encoding="utf-8"?>
+<p:sld xmlns:a="http://schemas.openxmlformats.org/drawingml/2006/main" xmlns:r="http://schemas.openxmlformats.org/officeDocument/2006/relationships" xmlns:p="http://schemas.openxmlformats.org/presentationml/2006/main">
+  <p:cSld>
+    <p:spTree>
+      <p:nvGrpSpPr>
+        <p:cNvPr id="1" name=""/>
+        <p:cNvGrpSpPr/>
+        <p:nvPr/>
+      </p:nvGrpSpPr>
+      <p:grpSpPr>
+        <a:xfrm>
+          <a:off x="0" y="0"/>
+          <a:ext cx="0" cy="0"/>
+          <a:chOff x="0" y="0"/>
+          <a:chExt cx="0" cy="0"/>
+        </a:xfrm>
+      </p:grpSpPr>
+    </p:spTree>
+  </p:cSld>
+  <p:clrMapOvr>
+    <a:masterClrMapping/>
+  </p:clrMapOvr>
+</p:sld>
+</file>
+
+<file path=ppt/slides/slide19.xml><?xml version="1.0" encoding="utf-8"?>
+<p:sld xmlns:a="http://schemas.openxmlformats.org/drawingml/2006/main" xmlns:r="http://schemas.openxmlformats.org/officeDocument/2006/relationships" xmlns:p="http://schemas.openxmlformats.org/presentationml/2006/main">
+  <p:cSld>
+    <p:spTree>
+      <p:nvGrpSpPr>
+        <p:cNvPr id="1" name=""/>
+        <p:cNvGrpSpPr/>
+        <p:nvPr/>
+      </p:nvGrpSpPr>
+      <p:grpSpPr>
+        <a:xfrm>
+          <a:off x="0" y="0"/>
+          <a:ext cx="0" cy="0"/>
+          <a:chOff x="0" y="0"/>
+          <a:chExt cx="0" cy="0"/>
+        </a:xfrm>
+      </p:grpSpPr>
+    </p:spTree>
+  </p:cSld>
+  <p:clrMapOvr>
+    <a:masterClrMapping/>
+  </p:clrMapOvr>
+</p:sld>
+</file>
+
+<file path=ppt/slides/slide2.xml><?xml version="1.0" encoding="utf-8"?>
+<p:sld xmlns:a="http://schemas.openxmlformats.org/drawingml/2006/main" xmlns:r="http://schemas.openxmlformats.org/officeDocument/2006/relationships" xmlns:p="http://schemas.openxmlformats.org/presentationml/2006/main">
+  <p:cSld>
+    <p:spTree>
+      <p:nvGrpSpPr>
+        <p:cNvPr id="1" name=""/>
+        <p:cNvGrpSpPr/>
+        <p:nvPr/>
+      </p:nvGrpSpPr>
+      <p:grpSpPr>
+        <a:xfrm>
+          <a:off x="0" y="0"/>
+          <a:ext cx="0" cy="0"/>
+          <a:chOff x="0" y="0"/>
+          <a:chExt cx="0" cy="0"/>
+        </a:xfrm>
+      </p:grpSpPr>
+      <p:pic>
+        <p:nvPicPr>
+          <p:cNvPr id="2" name="Picture 2"/>
+          <p:cNvPicPr>
+            <a:picLocks noChangeAspect="1" noChangeArrowheads="1"/>
+          </p:cNvPicPr>
+          <p:nvPr/>
+        </p:nvPicPr>
+        <p:blipFill>
+          <a:blip r:embed="rId2"/>
+          <a:srcRect/>
+          <a:stretch>
+            <a:fillRect/>
+          </a:stretch>
+        </p:blipFill>
+        <p:spPr bwMode="auto">
+          <a:xfrm>
+            <a:off x="214282" y="1857364"/>
+            <a:ext cx="8401050" cy="4581525"/>
+          </a:xfrm>
+          <a:prstGeom prst="rect">
+            <a:avLst/>
+          </a:prstGeom>
+          <a:noFill/>
+          <a:ln w="9525">
+            <a:noFill/>
+            <a:miter lim="800000"/>
+            <a:headEnd/>
+            <a:tailEnd/>
+          </a:ln>
+          <a:effectLst/>
+        </p:spPr>
+      </p:pic>
+      <p:sp>
+        <p:nvSpPr>
+          <p:cNvPr id="4" name="Retângulo 3"/>
+          <p:cNvSpPr/>
+          <p:nvPr/>
+        </p:nvSpPr>
+        <p:spPr>
+          <a:xfrm>
+            <a:off x="1428728" y="785794"/>
+            <a:ext cx="3535391" cy="923330"/>
+          </a:xfrm>
+          <a:prstGeom prst="rect">
+            <a:avLst/>
+          </a:prstGeom>
+          <a:noFill/>
+        </p:spPr>
+        <p:txBody>
+          <a:bodyPr wrap="none" lIns="91440" tIns="45720" rIns="91440" bIns="45720">
+            <a:spAutoFit/>
+          </a:bodyPr>
+          <a:lstStyle/>
+          <a:p>
+            <a:pPr algn="ctr"/>
+            <a:r>
+              <a:rPr lang="pt-BR" sz="5400" b="1" cap="none" spc="0" dirty="0" smtClean="0">
+                <a:ln w="19050">
+                  <a:solidFill>
+                    <a:schemeClr val="tx2">
+                      <a:tint val="1000"/>
+                    </a:schemeClr>
+                  </a:solidFill>
+                  <a:prstDash val="solid"/>
+                </a:ln>
+                <a:solidFill>
+                  <a:schemeClr val="accent3"/>
+                </a:solidFill>
+                <a:effectLst>
+                  <a:outerShdw blurRad="50000" dist="50800" dir="7500000" algn="tl">
+                    <a:srgbClr val="000000">
+                      <a:shade val="5000"/>
+                      <a:alpha val="35000"/>
+                    </a:srgbClr>
+                  </a:outerShdw>
+                </a:effectLst>
+              </a:rPr>
+              <a:t>Diagrama </a:t>
+            </a:r>
+            <a:endParaRPr lang="pt-BR" sz="5400" b="1" cap="none" spc="0" dirty="0">
+              <a:ln w="19050">
+                <a:solidFill>
+                  <a:schemeClr val="tx2">
+                    <a:tint val="1000"/>
+                  </a:schemeClr>
+                </a:solidFill>
+                <a:prstDash val="solid"/>
+              </a:ln>
+              <a:solidFill>
+                <a:schemeClr val="accent3"/>
+              </a:solidFill>
+              <a:effectLst>
+                <a:outerShdw blurRad="50000" dist="50800" dir="7500000" algn="tl">
+                  <a:srgbClr val="000000">
+                    <a:shade val="5000"/>
+                    <a:alpha val="35000"/>
+                  </a:srgbClr>
+                </a:outerShdw>
+              </a:effectLst>
+            </a:endParaRPr>
+          </a:p>
+        </p:txBody>
+      </p:sp>
+    </p:spTree>
+  </p:cSld>
+  <p:clrMapOvr>
+    <a:masterClrMapping/>
+  </p:clrMapOvr>
+  <p:timing>
+    <p:tnLst>
+      <p:par>
+        <p:cTn id="1" dur="indefinite" restart="never" nodeType="tmRoot"/>
+      </p:par>
+    </p:tnLst>
+  </p:timing>
+</p:sld>
+</file>
+
+<file path=ppt/slides/slide20.xml><?xml version="1.0" encoding="utf-8"?>
+<p:sld xmlns:a="http://schemas.openxmlformats.org/drawingml/2006/main" xmlns:r="http://schemas.openxmlformats.org/officeDocument/2006/relationships" xmlns:p="http://schemas.openxmlformats.org/presentationml/2006/main">
+  <p:cSld>
+    <p:spTree>
+      <p:nvGrpSpPr>
+        <p:cNvPr id="1" name=""/>
+        <p:cNvGrpSpPr/>
+        <p:nvPr/>
+      </p:nvGrpSpPr>
+      <p:grpSpPr>
+        <a:xfrm>
+          <a:off x="0" y="0"/>
+          <a:ext cx="0" cy="0"/>
+          <a:chOff x="0" y="0"/>
+          <a:chExt cx="0" cy="0"/>
+        </a:xfrm>
+      </p:grpSpPr>
+    </p:spTree>
+  </p:cSld>
+  <p:clrMapOvr>
+    <a:masterClrMapping/>
+  </p:clrMapOvr>
+</p:sld>
+</file>
+
+<file path=ppt/slides/slide21.xml><?xml version="1.0" encoding="utf-8"?>
+<p:sld xmlns:a="http://schemas.openxmlformats.org/drawingml/2006/main" xmlns:r="http://schemas.openxmlformats.org/officeDocument/2006/relationships" xmlns:p="http://schemas.openxmlformats.org/presentationml/2006/main">
+  <p:cSld>
+    <p:spTree>
+      <p:nvGrpSpPr>
+        <p:cNvPr id="1" name=""/>
+        <p:cNvGrpSpPr/>
+        <p:nvPr/>
+      </p:nvGrpSpPr>
+      <p:grpSpPr>
+        <a:xfrm>
+          <a:off x="0" y="0"/>
+          <a:ext cx="0" cy="0"/>
+          <a:chOff x="0" y="0"/>
+          <a:chExt cx="0" cy="0"/>
+        </a:xfrm>
+      </p:grpSpPr>
+    </p:spTree>
+  </p:cSld>
+  <p:clrMapOvr>
+    <a:masterClrMapping/>
+  </p:clrMapOvr>
+</p:sld>
+</file>
+
+<file path=ppt/slides/slide22.xml><?xml version="1.0" encoding="utf-8"?>
+<p:sld xmlns:a="http://schemas.openxmlformats.org/drawingml/2006/main" xmlns:r="http://schemas.openxmlformats.org/officeDocument/2006/relationships" xmlns:p="http://schemas.openxmlformats.org/presentationml/2006/main">
+  <p:cSld>
+    <p:spTree>
+      <p:nvGrpSpPr>
+        <p:cNvPr id="1" name=""/>
+        <p:cNvGrpSpPr/>
+        <p:nvPr/>
+      </p:nvGrpSpPr>
+      <p:grpSpPr>
+        <a:xfrm>
+          <a:off x="0" y="0"/>
+          <a:ext cx="0" cy="0"/>
+          <a:chOff x="0" y="0"/>
+          <a:chExt cx="0" cy="0"/>
+        </a:xfrm>
+      </p:grpSpPr>
+    </p:spTree>
+  </p:cSld>
+  <p:clrMapOvr>
+    <a:masterClrMapping/>
+  </p:clrMapOvr>
+</p:sld>
+</file>
+
+<file path=ppt/slides/slide23.xml><?xml version="1.0" encoding="utf-8"?>
+<p:sld xmlns:a="http://schemas.openxmlformats.org/drawingml/2006/main" xmlns:r="http://schemas.openxmlformats.org/officeDocument/2006/relationships" xmlns:p="http://schemas.openxmlformats.org/presentationml/2006/main">
+  <p:cSld>
+    <p:spTree>
+      <p:nvGrpSpPr>
+        <p:cNvPr id="1" name=""/>
+        <p:cNvGrpSpPr/>
+        <p:nvPr/>
+      </p:nvGrpSpPr>
+      <p:grpSpPr>
+        <a:xfrm>
+          <a:off x="0" y="0"/>
+          <a:ext cx="0" cy="0"/>
+          <a:chOff x="0" y="0"/>
+          <a:chExt cx="0" cy="0"/>
+        </a:xfrm>
+      </p:grpSpPr>
+    </p:spTree>
+  </p:cSld>
+  <p:clrMapOvr>
+    <a:masterClrMapping/>
+  </p:clrMapOvr>
+</p:sld>
+</file>
+
+<file path=ppt/slides/slide24.xml><?xml version="1.0" encoding="utf-8"?>
+<p:sld xmlns:a="http://schemas.openxmlformats.org/drawingml/2006/main" xmlns:r="http://schemas.openxmlformats.org/officeDocument/2006/relationships" xmlns:p="http://schemas.openxmlformats.org/presentationml/2006/main">
+  <p:cSld>
+    <p:spTree>
+      <p:nvGrpSpPr>
+        <p:cNvPr id="1" name=""/>
+        <p:cNvGrpSpPr/>
+        <p:nvPr/>
+      </p:nvGrpSpPr>
+      <p:grpSpPr>
+        <a:xfrm>
+          <a:off x="0" y="0"/>
+          <a:ext cx="0" cy="0"/>
+          <a:chOff x="0" y="0"/>
+          <a:chExt cx="0" cy="0"/>
+        </a:xfrm>
+      </p:grpSpPr>
+    </p:spTree>
+  </p:cSld>
+  <p:clrMapOvr>
+    <a:masterClrMapping/>
+  </p:clrMapOvr>
+</p:sld>
+</file>
+
+<file path=ppt/slides/slide25.xml><?xml version="1.0" encoding="utf-8"?>
+<p:sld xmlns:a="http://schemas.openxmlformats.org/drawingml/2006/main" xmlns:r="http://schemas.openxmlformats.org/officeDocument/2006/relationships" xmlns:p="http://schemas.openxmlformats.org/presentationml/2006/main">
+  <p:cSld>
+    <p:spTree>
+      <p:nvGrpSpPr>
+        <p:cNvPr id="1" name=""/>
+        <p:cNvGrpSpPr/>
+        <p:nvPr/>
+      </p:nvGrpSpPr>
+      <p:grpSpPr>
+        <a:xfrm>
+          <a:off x="0" y="0"/>
+          <a:ext cx="0" cy="0"/>
+          <a:chOff x="0" y="0"/>
+          <a:chExt cx="0" cy="0"/>
+        </a:xfrm>
+      </p:grpSpPr>
+    </p:spTree>
+  </p:cSld>
+  <p:clrMapOvr>
+    <a:masterClrMapping/>
+  </p:clrMapOvr>
+</p:sld>
+</file>
+
+<file path=ppt/slides/slide3.xml><?xml version="1.0" encoding="utf-8"?>
+<p:sld xmlns:a="http://schemas.openxmlformats.org/drawingml/2006/main" xmlns:r="http://schemas.openxmlformats.org/officeDocument/2006/relationships" xmlns:p="http://schemas.openxmlformats.org/presentationml/2006/main">
+  <p:cSld>
+    <p:spTree>
+      <p:nvGrpSpPr>
+        <p:cNvPr id="1" name=""/>
+        <p:cNvGrpSpPr/>
+        <p:nvPr/>
+      </p:nvGrpSpPr>
+      <p:grpSpPr>
+        <a:xfrm>
+          <a:off x="0" y="0"/>
+          <a:ext cx="0" cy="0"/>
+          <a:chOff x="0" y="0"/>
+          <a:chExt cx="0" cy="0"/>
+        </a:xfrm>
+      </p:grpSpPr>
+      <p:pic>
+        <p:nvPicPr>
+          <p:cNvPr id="6" name="Imagem 5" descr="1.jpg"/>
+          <p:cNvPicPr>
+            <a:picLocks noChangeAspect="1"/>
+          </p:cNvPicPr>
+          <p:nvPr/>
+        </p:nvPicPr>
+        <p:blipFill>
+          <a:blip r:embed="rId2"/>
+          <a:stretch>
+            <a:fillRect/>
+          </a:stretch>
+        </p:blipFill>
+        <p:spPr>
+          <a:xfrm>
+            <a:off x="500034" y="1214422"/>
+            <a:ext cx="7953375" cy="5438775"/>
+          </a:xfrm>
+          <a:prstGeom prst="rect">
+            <a:avLst/>
+          </a:prstGeom>
+        </p:spPr>
+      </p:pic>
+    </p:spTree>
+  </p:cSld>
+  <p:clrMapOvr>
+    <a:masterClrMapping/>
+  </p:clrMapOvr>
+  <p:timing>
+    <p:tnLst>
+      <p:par>
+        <p:cTn id="1" dur="indefinite" restart="never" nodeType="tmRoot"/>
+      </p:par>
+    </p:tnLst>
+  </p:timing>
+</p:sld>
+</file>
+
+<file path=ppt/slides/slide4.xml><?xml version="1.0" encoding="utf-8"?>
+<p:sld xmlns:a="http://schemas.openxmlformats.org/drawingml/2006/main" xmlns:r="http://schemas.openxmlformats.org/officeDocument/2006/relationships" xmlns:p="http://schemas.openxmlformats.org/presentationml/2006/main">
+  <p:cSld>
+    <p:spTree>
+      <p:nvGrpSpPr>
+        <p:cNvPr id="1" name=""/>
+        <p:cNvGrpSpPr/>
+        <p:nvPr/>
+      </p:nvGrpSpPr>
+      <p:grpSpPr>
+        <a:xfrm>
+          <a:off x="0" y="0"/>
+          <a:ext cx="0" cy="0"/>
+          <a:chOff x="0" y="0"/>
+          <a:chExt cx="0" cy="0"/>
+        </a:xfrm>
+      </p:grpSpPr>
+      <p:pic>
+        <p:nvPicPr>
+          <p:cNvPr id="2" name="Imagem 1" descr="2.jpg"/>
+          <p:cNvPicPr>
+            <a:picLocks noChangeAspect="1"/>
+          </p:cNvPicPr>
+          <p:nvPr/>
+        </p:nvPicPr>
+        <p:blipFill>
+          <a:blip r:embed="rId2"/>
+          <a:stretch>
+            <a:fillRect/>
+          </a:stretch>
+        </p:blipFill>
+        <p:spPr>
+          <a:xfrm>
+            <a:off x="359864" y="914400"/>
+            <a:ext cx="7855474" cy="5728854"/>
+          </a:xfrm>
+          <a:prstGeom prst="rect">
+            <a:avLst/>
+          </a:prstGeom>
+        </p:spPr>
+      </p:pic>
+    </p:spTree>
+  </p:cSld>
+  <p:clrMapOvr>
+    <a:masterClrMapping/>
+  </p:clrMapOvr>
+</p:sld>
+</file>
+
+<file path=ppt/slides/slide5.xml><?xml version="1.0" encoding="utf-8"?>
+<p:sld xmlns:a="http://schemas.openxmlformats.org/drawingml/2006/main" xmlns:r="http://schemas.openxmlformats.org/officeDocument/2006/relationships" xmlns:p="http://schemas.openxmlformats.org/presentationml/2006/main">
+  <p:cSld>
+    <p:spTree>
+      <p:nvGrpSpPr>
+        <p:cNvPr id="1" name=""/>
+        <p:cNvGrpSpPr/>
+        <p:nvPr/>
+      </p:nvGrpSpPr>
+      <p:grpSpPr>
+        <a:xfrm>
+          <a:off x="0" y="0"/>
+          <a:ext cx="0" cy="0"/>
+          <a:chOff x="0" y="0"/>
+          <a:chExt cx="0" cy="0"/>
+        </a:xfrm>
+      </p:grpSpPr>
+      <p:pic>
+        <p:nvPicPr>
+          <p:cNvPr id="2" name="Imagem 1" descr="3.jpg"/>
+          <p:cNvPicPr>
+            <a:picLocks noChangeAspect="1"/>
+          </p:cNvPicPr>
+          <p:nvPr/>
+        </p:nvPicPr>
+        <p:blipFill>
+          <a:blip r:embed="rId2"/>
+          <a:stretch>
+            <a:fillRect/>
+          </a:stretch>
+        </p:blipFill>
+        <p:spPr>
+          <a:xfrm>
+            <a:off x="214282" y="1142984"/>
+            <a:ext cx="8676470" cy="5418058"/>
+          </a:xfrm>
+          <a:prstGeom prst="rect">
+            <a:avLst/>
+          </a:prstGeom>
+        </p:spPr>
+      </p:pic>
+    </p:spTree>
+  </p:cSld>
+  <p:clrMapOvr>
+    <a:masterClrMapping/>
+  </p:clrMapOvr>
+</p:sld>
+</file>
+
+<file path=ppt/slides/slide6.xml><?xml version="1.0" encoding="utf-8"?>
+<p:sld xmlns:a="http://schemas.openxmlformats.org/drawingml/2006/main" xmlns:r="http://schemas.openxmlformats.org/officeDocument/2006/relationships" xmlns:p="http://schemas.openxmlformats.org/presentationml/2006/main">
+  <p:cSld>
+    <p:spTree>
+      <p:nvGrpSpPr>
+        <p:cNvPr id="1" name=""/>
+        <p:cNvGrpSpPr/>
+        <p:nvPr/>
+      </p:nvGrpSpPr>
+      <p:grpSpPr>
+        <a:xfrm>
+          <a:off x="0" y="0"/>
+          <a:ext cx="0" cy="0"/>
+          <a:chOff x="0" y="0"/>
+          <a:chExt cx="0" cy="0"/>
+        </a:xfrm>
+      </p:grpSpPr>
+      <p:pic>
+        <p:nvPicPr>
+          <p:cNvPr id="2" name="Imagem 1" descr="4.jpg"/>
+          <p:cNvPicPr>
+            <a:picLocks noChangeAspect="1"/>
+          </p:cNvPicPr>
+          <p:nvPr/>
+        </p:nvPicPr>
+        <p:blipFill>
+          <a:blip r:embed="rId2"/>
+          <a:stretch>
+            <a:fillRect/>
+          </a:stretch>
+        </p:blipFill>
+        <p:spPr>
+          <a:xfrm>
+            <a:off x="71406" y="1428736"/>
+            <a:ext cx="8948756" cy="5291329"/>
+          </a:xfrm>
+          <a:prstGeom prst="rect">
+            <a:avLst/>
+          </a:prstGeom>
+        </p:spPr>
+      </p:pic>
+    </p:spTree>
+  </p:cSld>
+  <p:clrMapOvr>
+    <a:masterClrMapping/>
+  </p:clrMapOvr>
+</p:sld>
+</file>
+
+<file path=ppt/slides/slide7.xml><?xml version="1.0" encoding="utf-8"?>
+<p:sld xmlns:a="http://schemas.openxmlformats.org/drawingml/2006/main" xmlns:r="http://schemas.openxmlformats.org/officeDocument/2006/relationships" xmlns:p="http://schemas.openxmlformats.org/presentationml/2006/main">
+  <p:cSld>
+    <p:spTree>
+      <p:nvGrpSpPr>
+        <p:cNvPr id="1" name=""/>
+        <p:cNvGrpSpPr/>
+        <p:nvPr/>
+      </p:nvGrpSpPr>
+      <p:grpSpPr>
+        <a:xfrm>
+          <a:off x="0" y="0"/>
+          <a:ext cx="0" cy="0"/>
+          <a:chOff x="0" y="0"/>
+          <a:chExt cx="0" cy="0"/>
+        </a:xfrm>
+      </p:grpSpPr>
+      <p:pic>
+        <p:nvPicPr>
+          <p:cNvPr id="2" name="Imagem 1" descr="5.jpg"/>
+          <p:cNvPicPr>
+            <a:picLocks noChangeAspect="1"/>
+          </p:cNvPicPr>
+          <p:nvPr/>
+        </p:nvPicPr>
+        <p:blipFill>
+          <a:blip r:embed="rId2"/>
+          <a:stretch>
+            <a:fillRect/>
+          </a:stretch>
+        </p:blipFill>
+        <p:spPr>
+          <a:xfrm>
+            <a:off x="99307" y="1633537"/>
+            <a:ext cx="8830411" cy="5051692"/>
+          </a:xfrm>
+          <a:prstGeom prst="rect">
+            <a:avLst/>
+          </a:prstGeom>
+        </p:spPr>
+      </p:pic>
+    </p:spTree>
+  </p:cSld>
+  <p:clrMapOvr>
+    <a:masterClrMapping/>
+  </p:clrMapOvr>
+</p:sld>
+</file>
+
+<file path=ppt/slides/slide8.xml><?xml version="1.0" encoding="utf-8"?>
+<p:sld xmlns:a="http://schemas.openxmlformats.org/drawingml/2006/main" xmlns:r="http://schemas.openxmlformats.org/officeDocument/2006/relationships" xmlns:p="http://schemas.openxmlformats.org/presentationml/2006/main">
+  <p:cSld>
+    <p:spTree>
+      <p:nvGrpSpPr>
+        <p:cNvPr id="1" name=""/>
+        <p:cNvGrpSpPr/>
+        <p:nvPr/>
+      </p:nvGrpSpPr>
+      <p:grpSpPr>
+        <a:xfrm>
+          <a:off x="0" y="0"/>
+          <a:ext cx="0" cy="0"/>
+          <a:chOff x="0" y="0"/>
+          <a:chExt cx="0" cy="0"/>
+        </a:xfrm>
+      </p:grpSpPr>
+      <p:pic>
+        <p:nvPicPr>
+          <p:cNvPr id="2" name="Imagem 1" descr="6.jpg"/>
+          <p:cNvPicPr>
+            <a:picLocks noChangeAspect="1"/>
+          </p:cNvPicPr>
+          <p:nvPr/>
+        </p:nvPicPr>
+        <p:blipFill>
+          <a:blip r:embed="rId2"/>
+          <a:stretch>
+            <a:fillRect/>
+          </a:stretch>
+        </p:blipFill>
+        <p:spPr>
+          <a:xfrm>
+            <a:off x="136040" y="1428750"/>
+            <a:ext cx="8722240" cy="5250474"/>
+          </a:xfrm>
+          <a:prstGeom prst="rect">
+            <a:avLst/>
+          </a:prstGeom>
+        </p:spPr>
+      </p:pic>
+    </p:spTree>
+  </p:cSld>
+  <p:clrMapOvr>
+    <a:masterClrMapping/>
+  </p:clrMapOvr>
+</p:sld>
+</file>
+
+<file path=ppt/slides/slide9.xml><?xml version="1.0" encoding="utf-8"?>
+<p:sld xmlns:a="http://schemas.openxmlformats.org/drawingml/2006/main" xmlns:r="http://schemas.openxmlformats.org/officeDocument/2006/relationships" xmlns:p="http://schemas.openxmlformats.org/presentationml/2006/main">
+  <p:cSld>
+    <p:spTree>
+      <p:nvGrpSpPr>
+        <p:cNvPr id="1" name=""/>
+        <p:cNvGrpSpPr/>
+        <p:nvPr/>
+      </p:nvGrpSpPr>
+      <p:grpSpPr>
+        <a:xfrm>
+          <a:off x="0" y="0"/>
+          <a:ext cx="0" cy="0"/>
+          <a:chOff x="0" y="0"/>
+          <a:chExt cx="0" cy="0"/>
+        </a:xfrm>
+      </p:grpSpPr>
+      <p:pic>
+        <p:nvPicPr>
+          <p:cNvPr id="2" name="Imagem 1" descr="7.jpg"/>
+          <p:cNvPicPr>
+            <a:picLocks noChangeAspect="1"/>
+          </p:cNvPicPr>
+          <p:nvPr/>
+        </p:nvPicPr>
+        <p:blipFill>
+          <a:blip r:embed="rId2"/>
+          <a:stretch>
+            <a:fillRect/>
+          </a:stretch>
+        </p:blipFill>
+        <p:spPr>
+          <a:xfrm>
+            <a:off x="75708" y="1452562"/>
+            <a:ext cx="8782571" cy="4833958"/>
+          </a:xfrm>
+          <a:prstGeom prst="rect">
+            <a:avLst/>
+          </a:prstGeom>
+        </p:spPr>
+      </p:pic>
+    </p:spTree>
+  </p:cSld>
+  <p:clrMapOvr>
+    <a:masterClrMapping/>
+  </p:clrMapOvr>
 </p:sld>
 </file>
 

--- a/4 - T-SQL com Microsoft SQL Server 2017/Linkedin.pptx
+++ b/4 - T-SQL com Microsoft SQL Server 2017/Linkedin.pptx
@@ -30,6 +30,9 @@
     <p:sldId id="348" r:id="rId24"/>
     <p:sldId id="349" r:id="rId25"/>
     <p:sldId id="350" r:id="rId26"/>
+    <p:sldId id="351" r:id="rId27"/>
+    <p:sldId id="353" r:id="rId28"/>
+    <p:sldId id="352" r:id="rId29"/>
   </p:sldIdLst>
   <p:sldSz cx="9144000" cy="6858000" type="screen4x3"/>
   <p:notesSz cx="6858000" cy="9144000"/>
@@ -305,7 +308,7 @@
             <a:fld id="{41371B2D-5B36-42E3-97A0-9B2A345893FE}" type="datetimeFigureOut">
               <a:rPr lang="pt-BR" smtClean="0"/>
               <a:pPr/>
-              <a:t>23/07/2021</a:t>
+              <a:t>26/07/2021</a:t>
             </a:fld>
             <a:endParaRPr lang="pt-BR"/>
           </a:p>
@@ -472,7 +475,7 @@
             <a:fld id="{41371B2D-5B36-42E3-97A0-9B2A345893FE}" type="datetimeFigureOut">
               <a:rPr lang="pt-BR" smtClean="0"/>
               <a:pPr/>
-              <a:t>23/07/2021</a:t>
+              <a:t>26/07/2021</a:t>
             </a:fld>
             <a:endParaRPr lang="pt-BR"/>
           </a:p>
@@ -649,7 +652,7 @@
             <a:fld id="{41371B2D-5B36-42E3-97A0-9B2A345893FE}" type="datetimeFigureOut">
               <a:rPr lang="pt-BR" smtClean="0"/>
               <a:pPr/>
-              <a:t>23/07/2021</a:t>
+              <a:t>26/07/2021</a:t>
             </a:fld>
             <a:endParaRPr lang="pt-BR"/>
           </a:p>
@@ -816,7 +819,7 @@
             <a:fld id="{41371B2D-5B36-42E3-97A0-9B2A345893FE}" type="datetimeFigureOut">
               <a:rPr lang="pt-BR" smtClean="0"/>
               <a:pPr/>
-              <a:t>23/07/2021</a:t>
+              <a:t>26/07/2021</a:t>
             </a:fld>
             <a:endParaRPr lang="pt-BR"/>
           </a:p>
@@ -1060,7 +1063,7 @@
             <a:fld id="{41371B2D-5B36-42E3-97A0-9B2A345893FE}" type="datetimeFigureOut">
               <a:rPr lang="pt-BR" smtClean="0"/>
               <a:pPr/>
-              <a:t>23/07/2021</a:t>
+              <a:t>26/07/2021</a:t>
             </a:fld>
             <a:endParaRPr lang="pt-BR"/>
           </a:p>
@@ -1326,7 +1329,7 @@
             <a:fld id="{41371B2D-5B36-42E3-97A0-9B2A345893FE}" type="datetimeFigureOut">
               <a:rPr lang="pt-BR" smtClean="0"/>
               <a:pPr/>
-              <a:t>23/07/2021</a:t>
+              <a:t>26/07/2021</a:t>
             </a:fld>
             <a:endParaRPr lang="pt-BR"/>
           </a:p>
@@ -1706,7 +1709,7 @@
             <a:fld id="{41371B2D-5B36-42E3-97A0-9B2A345893FE}" type="datetimeFigureOut">
               <a:rPr lang="pt-BR" smtClean="0"/>
               <a:pPr/>
-              <a:t>23/07/2021</a:t>
+              <a:t>26/07/2021</a:t>
             </a:fld>
             <a:endParaRPr lang="pt-BR"/>
           </a:p>
@@ -1858,7 +1861,7 @@
             <a:fld id="{41371B2D-5B36-42E3-97A0-9B2A345893FE}" type="datetimeFigureOut">
               <a:rPr lang="pt-BR" smtClean="0"/>
               <a:pPr/>
-              <a:t>23/07/2021</a:t>
+              <a:t>26/07/2021</a:t>
             </a:fld>
             <a:endParaRPr lang="pt-BR"/>
           </a:p>
@@ -1950,7 +1953,7 @@
             <a:fld id="{41371B2D-5B36-42E3-97A0-9B2A345893FE}" type="datetimeFigureOut">
               <a:rPr lang="pt-BR" smtClean="0"/>
               <a:pPr/>
-              <a:t>23/07/2021</a:t>
+              <a:t>26/07/2021</a:t>
             </a:fld>
             <a:endParaRPr lang="pt-BR"/>
           </a:p>
@@ -2213,7 +2216,7 @@
             <a:fld id="{41371B2D-5B36-42E3-97A0-9B2A345893FE}" type="datetimeFigureOut">
               <a:rPr lang="pt-BR" smtClean="0"/>
               <a:pPr/>
-              <a:t>23/07/2021</a:t>
+              <a:t>26/07/2021</a:t>
             </a:fld>
             <a:endParaRPr lang="pt-BR"/>
           </a:p>
@@ -2503,7 +2506,7 @@
             <a:fld id="{41371B2D-5B36-42E3-97A0-9B2A345893FE}" type="datetimeFigureOut">
               <a:rPr lang="pt-BR" smtClean="0"/>
               <a:pPr/>
-              <a:t>23/07/2021</a:t>
+              <a:t>26/07/2021</a:t>
             </a:fld>
             <a:endParaRPr lang="pt-BR"/>
           </a:p>
@@ -3276,7 +3279,7 @@
             <a:fld id="{41371B2D-5B36-42E3-97A0-9B2A345893FE}" type="datetimeFigureOut">
               <a:rPr lang="pt-BR" smtClean="0"/>
               <a:pPr/>
-              <a:t>23/07/2021</a:t>
+              <a:t>26/07/2021</a:t>
             </a:fld>
             <a:endParaRPr lang="pt-BR"/>
           </a:p>
@@ -4295,6 +4298,39 @@
           <a:chExt cx="0" cy="0"/>
         </a:xfrm>
       </p:grpSpPr>
+      <p:pic>
+        <p:nvPicPr>
+          <p:cNvPr id="1026" name="Picture 2"/>
+          <p:cNvPicPr>
+            <a:picLocks noChangeAspect="1" noChangeArrowheads="1"/>
+          </p:cNvPicPr>
+          <p:nvPr/>
+        </p:nvPicPr>
+        <p:blipFill>
+          <a:blip r:embed="rId2"/>
+          <a:srcRect/>
+          <a:stretch>
+            <a:fillRect/>
+          </a:stretch>
+        </p:blipFill>
+        <p:spPr bwMode="auto">
+          <a:xfrm>
+            <a:off x="0" y="1752600"/>
+            <a:ext cx="9144000" cy="5105400"/>
+          </a:xfrm>
+          <a:prstGeom prst="rect">
+            <a:avLst/>
+          </a:prstGeom>
+          <a:noFill/>
+          <a:ln w="9525">
+            <a:noFill/>
+            <a:miter lim="800000"/>
+            <a:headEnd/>
+            <a:tailEnd/>
+          </a:ln>
+          <a:effectLst/>
+        </p:spPr>
+      </p:pic>
     </p:spTree>
   </p:cSld>
   <p:clrMapOvr>
@@ -4320,6 +4356,39 @@
           <a:chExt cx="0" cy="0"/>
         </a:xfrm>
       </p:grpSpPr>
+      <p:pic>
+        <p:nvPicPr>
+          <p:cNvPr id="2050" name="Picture 2"/>
+          <p:cNvPicPr>
+            <a:picLocks noChangeAspect="1" noChangeArrowheads="1"/>
+          </p:cNvPicPr>
+          <p:nvPr/>
+        </p:nvPicPr>
+        <p:blipFill>
+          <a:blip r:embed="rId2"/>
+          <a:srcRect/>
+          <a:stretch>
+            <a:fillRect/>
+          </a:stretch>
+        </p:blipFill>
+        <p:spPr bwMode="auto">
+          <a:xfrm>
+            <a:off x="0" y="1214422"/>
+            <a:ext cx="9144000" cy="5643578"/>
+          </a:xfrm>
+          <a:prstGeom prst="rect">
+            <a:avLst/>
+          </a:prstGeom>
+          <a:noFill/>
+          <a:ln w="9525">
+            <a:noFill/>
+            <a:miter lim="800000"/>
+            <a:headEnd/>
+            <a:tailEnd/>
+          </a:ln>
+          <a:effectLst/>
+        </p:spPr>
+      </p:pic>
     </p:spTree>
   </p:cSld>
   <p:clrMapOvr>
@@ -4345,6 +4414,39 @@
           <a:chExt cx="0" cy="0"/>
         </a:xfrm>
       </p:grpSpPr>
+      <p:pic>
+        <p:nvPicPr>
+          <p:cNvPr id="3074" name="Picture 2"/>
+          <p:cNvPicPr>
+            <a:picLocks noChangeAspect="1" noChangeArrowheads="1"/>
+          </p:cNvPicPr>
+          <p:nvPr/>
+        </p:nvPicPr>
+        <p:blipFill>
+          <a:blip r:embed="rId2"/>
+          <a:srcRect/>
+          <a:stretch>
+            <a:fillRect/>
+          </a:stretch>
+        </p:blipFill>
+        <p:spPr bwMode="auto">
+          <a:xfrm>
+            <a:off x="357158" y="1071546"/>
+            <a:ext cx="8566124" cy="5446596"/>
+          </a:xfrm>
+          <a:prstGeom prst="rect">
+            <a:avLst/>
+          </a:prstGeom>
+          <a:noFill/>
+          <a:ln w="9525">
+            <a:noFill/>
+            <a:miter lim="800000"/>
+            <a:headEnd/>
+            <a:tailEnd/>
+          </a:ln>
+          <a:effectLst/>
+        </p:spPr>
+      </p:pic>
     </p:spTree>
   </p:cSld>
   <p:clrMapOvr>
@@ -4370,6 +4472,39 @@
           <a:chExt cx="0" cy="0"/>
         </a:xfrm>
       </p:grpSpPr>
+      <p:pic>
+        <p:nvPicPr>
+          <p:cNvPr id="4098" name="Picture 2"/>
+          <p:cNvPicPr>
+            <a:picLocks noChangeAspect="1" noChangeArrowheads="1"/>
+          </p:cNvPicPr>
+          <p:nvPr/>
+        </p:nvPicPr>
+        <p:blipFill>
+          <a:blip r:embed="rId2"/>
+          <a:srcRect/>
+          <a:stretch>
+            <a:fillRect/>
+          </a:stretch>
+        </p:blipFill>
+        <p:spPr bwMode="auto">
+          <a:xfrm>
+            <a:off x="0" y="1285860"/>
+            <a:ext cx="9144000" cy="5572140"/>
+          </a:xfrm>
+          <a:prstGeom prst="rect">
+            <a:avLst/>
+          </a:prstGeom>
+          <a:noFill/>
+          <a:ln w="9525">
+            <a:noFill/>
+            <a:miter lim="800000"/>
+            <a:headEnd/>
+            <a:tailEnd/>
+          </a:ln>
+          <a:effectLst/>
+        </p:spPr>
+      </p:pic>
     </p:spTree>
   </p:cSld>
   <p:clrMapOvr>
@@ -4531,6 +4666,39 @@
           <a:chExt cx="0" cy="0"/>
         </a:xfrm>
       </p:grpSpPr>
+      <p:pic>
+        <p:nvPicPr>
+          <p:cNvPr id="5122" name="Picture 2"/>
+          <p:cNvPicPr>
+            <a:picLocks noChangeAspect="1" noChangeArrowheads="1"/>
+          </p:cNvPicPr>
+          <p:nvPr/>
+        </p:nvPicPr>
+        <p:blipFill>
+          <a:blip r:embed="rId2"/>
+          <a:srcRect/>
+          <a:stretch>
+            <a:fillRect/>
+          </a:stretch>
+        </p:blipFill>
+        <p:spPr bwMode="auto">
+          <a:xfrm>
+            <a:off x="0" y="2214554"/>
+            <a:ext cx="9106161" cy="3071834"/>
+          </a:xfrm>
+          <a:prstGeom prst="rect">
+            <a:avLst/>
+          </a:prstGeom>
+          <a:noFill/>
+          <a:ln w="9525">
+            <a:noFill/>
+            <a:miter lim="800000"/>
+            <a:headEnd/>
+            <a:tailEnd/>
+          </a:ln>
+          <a:effectLst/>
+        </p:spPr>
+      </p:pic>
     </p:spTree>
   </p:cSld>
   <p:clrMapOvr>
@@ -4556,6 +4724,39 @@
           <a:chExt cx="0" cy="0"/>
         </a:xfrm>
       </p:grpSpPr>
+      <p:pic>
+        <p:nvPicPr>
+          <p:cNvPr id="6146" name="Picture 2"/>
+          <p:cNvPicPr>
+            <a:picLocks noChangeAspect="1" noChangeArrowheads="1"/>
+          </p:cNvPicPr>
+          <p:nvPr/>
+        </p:nvPicPr>
+        <p:blipFill>
+          <a:blip r:embed="rId2"/>
+          <a:srcRect/>
+          <a:stretch>
+            <a:fillRect/>
+          </a:stretch>
+        </p:blipFill>
+        <p:spPr bwMode="auto">
+          <a:xfrm>
+            <a:off x="1" y="1404938"/>
+            <a:ext cx="9144000" cy="4048125"/>
+          </a:xfrm>
+          <a:prstGeom prst="rect">
+            <a:avLst/>
+          </a:prstGeom>
+          <a:noFill/>
+          <a:ln w="9525">
+            <a:noFill/>
+            <a:miter lim="800000"/>
+            <a:headEnd/>
+            <a:tailEnd/>
+          </a:ln>
+          <a:effectLst/>
+        </p:spPr>
+      </p:pic>
     </p:spTree>
   </p:cSld>
   <p:clrMapOvr>
@@ -4581,6 +4782,39 @@
           <a:chExt cx="0" cy="0"/>
         </a:xfrm>
       </p:grpSpPr>
+      <p:pic>
+        <p:nvPicPr>
+          <p:cNvPr id="7170" name="Picture 2"/>
+          <p:cNvPicPr>
+            <a:picLocks noChangeAspect="1" noChangeArrowheads="1"/>
+          </p:cNvPicPr>
+          <p:nvPr/>
+        </p:nvPicPr>
+        <p:blipFill>
+          <a:blip r:embed="rId2"/>
+          <a:srcRect/>
+          <a:stretch>
+            <a:fillRect/>
+          </a:stretch>
+        </p:blipFill>
+        <p:spPr bwMode="auto">
+          <a:xfrm>
+            <a:off x="0" y="1285860"/>
+            <a:ext cx="9144000" cy="5572140"/>
+          </a:xfrm>
+          <a:prstGeom prst="rect">
+            <a:avLst/>
+          </a:prstGeom>
+          <a:noFill/>
+          <a:ln w="9525">
+            <a:noFill/>
+            <a:miter lim="800000"/>
+            <a:headEnd/>
+            <a:tailEnd/>
+          </a:ln>
+          <a:effectLst/>
+        </p:spPr>
+      </p:pic>
     </p:spTree>
   </p:cSld>
   <p:clrMapOvr>
@@ -4606,6 +4840,39 @@
           <a:chExt cx="0" cy="0"/>
         </a:xfrm>
       </p:grpSpPr>
+      <p:pic>
+        <p:nvPicPr>
+          <p:cNvPr id="1026" name="Picture 2"/>
+          <p:cNvPicPr>
+            <a:picLocks noChangeAspect="1" noChangeArrowheads="1"/>
+          </p:cNvPicPr>
+          <p:nvPr/>
+        </p:nvPicPr>
+        <p:blipFill>
+          <a:blip r:embed="rId2"/>
+          <a:srcRect/>
+          <a:stretch>
+            <a:fillRect/>
+          </a:stretch>
+        </p:blipFill>
+        <p:spPr bwMode="auto">
+          <a:xfrm>
+            <a:off x="0" y="1428737"/>
+            <a:ext cx="9144000" cy="5429264"/>
+          </a:xfrm>
+          <a:prstGeom prst="rect">
+            <a:avLst/>
+          </a:prstGeom>
+          <a:noFill/>
+          <a:ln w="9525">
+            <a:noFill/>
+            <a:miter lim="800000"/>
+            <a:headEnd/>
+            <a:tailEnd/>
+          </a:ln>
+          <a:effectLst/>
+        </p:spPr>
+      </p:pic>
     </p:spTree>
   </p:cSld>
   <p:clrMapOvr>
@@ -4631,6 +4898,39 @@
           <a:chExt cx="0" cy="0"/>
         </a:xfrm>
       </p:grpSpPr>
+      <p:pic>
+        <p:nvPicPr>
+          <p:cNvPr id="2050" name="Picture 2"/>
+          <p:cNvPicPr>
+            <a:picLocks noChangeAspect="1" noChangeArrowheads="1"/>
+          </p:cNvPicPr>
+          <p:nvPr/>
+        </p:nvPicPr>
+        <p:blipFill>
+          <a:blip r:embed="rId2"/>
+          <a:srcRect/>
+          <a:stretch>
+            <a:fillRect/>
+          </a:stretch>
+        </p:blipFill>
+        <p:spPr bwMode="auto">
+          <a:xfrm>
+            <a:off x="928662" y="1857364"/>
+            <a:ext cx="7210425" cy="4114800"/>
+          </a:xfrm>
+          <a:prstGeom prst="rect">
+            <a:avLst/>
+          </a:prstGeom>
+          <a:noFill/>
+          <a:ln w="9525">
+            <a:noFill/>
+            <a:miter lim="800000"/>
+            <a:headEnd/>
+            <a:tailEnd/>
+          </a:ln>
+          <a:effectLst/>
+        </p:spPr>
+      </p:pic>
     </p:spTree>
   </p:cSld>
   <p:clrMapOvr>
@@ -4656,11 +4956,214 @@
           <a:chExt cx="0" cy="0"/>
         </a:xfrm>
       </p:grpSpPr>
+      <p:pic>
+        <p:nvPicPr>
+          <p:cNvPr id="3" name="Imagem 2" descr="14.jpg"/>
+          <p:cNvPicPr>
+            <a:picLocks noChangeAspect="1"/>
+          </p:cNvPicPr>
+          <p:nvPr/>
+        </p:nvPicPr>
+        <p:blipFill>
+          <a:blip r:embed="rId2"/>
+          <a:stretch>
+            <a:fillRect/>
+          </a:stretch>
+        </p:blipFill>
+        <p:spPr>
+          <a:xfrm>
+            <a:off x="214282" y="1357298"/>
+            <a:ext cx="8677275" cy="4519618"/>
+          </a:xfrm>
+          <a:prstGeom prst="rect">
+            <a:avLst/>
+          </a:prstGeom>
+        </p:spPr>
+      </p:pic>
     </p:spTree>
   </p:cSld>
   <p:clrMapOvr>
     <a:masterClrMapping/>
   </p:clrMapOvr>
+</p:sld>
+</file>
+
+<file path=ppt/slides/slide26.xml><?xml version="1.0" encoding="utf-8"?>
+<p:sld xmlns:a="http://schemas.openxmlformats.org/drawingml/2006/main" xmlns:r="http://schemas.openxmlformats.org/officeDocument/2006/relationships" xmlns:p="http://schemas.openxmlformats.org/presentationml/2006/main">
+  <p:cSld>
+    <p:spTree>
+      <p:nvGrpSpPr>
+        <p:cNvPr id="1" name=""/>
+        <p:cNvGrpSpPr/>
+        <p:nvPr/>
+      </p:nvGrpSpPr>
+      <p:grpSpPr>
+        <a:xfrm>
+          <a:off x="0" y="0"/>
+          <a:ext cx="0" cy="0"/>
+          <a:chOff x="0" y="0"/>
+          <a:chExt cx="0" cy="0"/>
+        </a:xfrm>
+      </p:grpSpPr>
+      <p:pic>
+        <p:nvPicPr>
+          <p:cNvPr id="4098" name="Picture 2"/>
+          <p:cNvPicPr>
+            <a:picLocks noChangeAspect="1" noChangeArrowheads="1"/>
+          </p:cNvPicPr>
+          <p:nvPr/>
+        </p:nvPicPr>
+        <p:blipFill>
+          <a:blip r:embed="rId2"/>
+          <a:srcRect/>
+          <a:stretch>
+            <a:fillRect/>
+          </a:stretch>
+        </p:blipFill>
+        <p:spPr bwMode="auto">
+          <a:xfrm>
+            <a:off x="0" y="1142985"/>
+            <a:ext cx="9144000" cy="5715016"/>
+          </a:xfrm>
+          <a:prstGeom prst="rect">
+            <a:avLst/>
+          </a:prstGeom>
+          <a:noFill/>
+          <a:ln w="9525">
+            <a:noFill/>
+            <a:miter lim="800000"/>
+            <a:headEnd/>
+            <a:tailEnd/>
+          </a:ln>
+          <a:effectLst/>
+        </p:spPr>
+      </p:pic>
+    </p:spTree>
+  </p:cSld>
+  <p:clrMapOvr>
+    <a:masterClrMapping/>
+  </p:clrMapOvr>
+</p:sld>
+</file>
+
+<file path=ppt/slides/slide27.xml><?xml version="1.0" encoding="utf-8"?>
+<p:sld xmlns:a="http://schemas.openxmlformats.org/drawingml/2006/main" xmlns:r="http://schemas.openxmlformats.org/officeDocument/2006/relationships" xmlns:p="http://schemas.openxmlformats.org/presentationml/2006/main">
+  <p:cSld>
+    <p:spTree>
+      <p:nvGrpSpPr>
+        <p:cNvPr id="1" name=""/>
+        <p:cNvGrpSpPr/>
+        <p:nvPr/>
+      </p:nvGrpSpPr>
+      <p:grpSpPr>
+        <a:xfrm>
+          <a:off x="0" y="0"/>
+          <a:ext cx="0" cy="0"/>
+          <a:chOff x="0" y="0"/>
+          <a:chExt cx="0" cy="0"/>
+        </a:xfrm>
+      </p:grpSpPr>
+      <p:pic>
+        <p:nvPicPr>
+          <p:cNvPr id="2" name="Imagem 1" descr="15.jpg"/>
+          <p:cNvPicPr>
+            <a:picLocks noChangeAspect="1"/>
+          </p:cNvPicPr>
+          <p:nvPr/>
+        </p:nvPicPr>
+        <p:blipFill>
+          <a:blip r:embed="rId2"/>
+          <a:stretch>
+            <a:fillRect/>
+          </a:stretch>
+        </p:blipFill>
+        <p:spPr>
+          <a:xfrm>
+            <a:off x="195262" y="1143000"/>
+            <a:ext cx="8753475" cy="4572000"/>
+          </a:xfrm>
+          <a:prstGeom prst="rect">
+            <a:avLst/>
+          </a:prstGeom>
+        </p:spPr>
+      </p:pic>
+    </p:spTree>
+  </p:cSld>
+  <p:clrMapOvr>
+    <a:masterClrMapping/>
+  </p:clrMapOvr>
+  <p:timing>
+    <p:tnLst>
+      <p:par>
+        <p:cTn id="1" dur="indefinite" restart="never" nodeType="tmRoot"/>
+      </p:par>
+    </p:tnLst>
+  </p:timing>
+</p:sld>
+</file>
+
+<file path=ppt/slides/slide28.xml><?xml version="1.0" encoding="utf-8"?>
+<p:sld xmlns:a="http://schemas.openxmlformats.org/drawingml/2006/main" xmlns:r="http://schemas.openxmlformats.org/officeDocument/2006/relationships" xmlns:p="http://schemas.openxmlformats.org/presentationml/2006/main">
+  <p:cSld>
+    <p:spTree>
+      <p:nvGrpSpPr>
+        <p:cNvPr id="1" name=""/>
+        <p:cNvGrpSpPr/>
+        <p:nvPr/>
+      </p:nvGrpSpPr>
+      <p:grpSpPr>
+        <a:xfrm>
+          <a:off x="0" y="0"/>
+          <a:ext cx="0" cy="0"/>
+          <a:chOff x="0" y="0"/>
+          <a:chExt cx="0" cy="0"/>
+        </a:xfrm>
+      </p:grpSpPr>
+      <p:pic>
+        <p:nvPicPr>
+          <p:cNvPr id="5123" name="Picture 3"/>
+          <p:cNvPicPr>
+            <a:picLocks noChangeAspect="1" noChangeArrowheads="1"/>
+          </p:cNvPicPr>
+          <p:nvPr/>
+        </p:nvPicPr>
+        <p:blipFill>
+          <a:blip r:embed="rId2"/>
+          <a:srcRect/>
+          <a:stretch>
+            <a:fillRect/>
+          </a:stretch>
+        </p:blipFill>
+        <p:spPr bwMode="auto">
+          <a:xfrm>
+            <a:off x="64186" y="1624013"/>
+            <a:ext cx="8865532" cy="4448193"/>
+          </a:xfrm>
+          <a:prstGeom prst="rect">
+            <a:avLst/>
+          </a:prstGeom>
+          <a:noFill/>
+          <a:ln w="9525">
+            <a:noFill/>
+            <a:miter lim="800000"/>
+            <a:headEnd/>
+            <a:tailEnd/>
+          </a:ln>
+          <a:effectLst/>
+        </p:spPr>
+      </p:pic>
+    </p:spTree>
+  </p:cSld>
+  <p:clrMapOvr>
+    <a:masterClrMapping/>
+  </p:clrMapOvr>
+  <p:timing>
+    <p:tnLst>
+      <p:par>
+        <p:cTn id="1" dur="indefinite" restart="never" nodeType="tmRoot"/>
+      </p:par>
+    </p:tnLst>
+  </p:timing>
 </p:sld>
 </file>
 
